--- a/Day 12/Slides/1. Angular 14 Security/angular-14-security-slides.pptx
+++ b/Day 12/Slides/1. Angular 14 Security/angular-14-security-slides.pptx
@@ -5,17 +5,17 @@
     <p:sldMasterId id="2147483648" r:id="rId1"/>
   </p:sldMasterIdLst>
   <p:notesMasterIdLst>
-    <p:notesMasterId r:id="rId11"/>
+    <p:notesMasterId r:id="rId10"/>
   </p:notesMasterIdLst>
   <p:sldIdLst>
-    <p:sldId id="257" r:id="rId3"/>
-    <p:sldId id="273" r:id="rId4"/>
-    <p:sldId id="258" r:id="rId5"/>
-    <p:sldId id="274" r:id="rId6"/>
-    <p:sldId id="275" r:id="rId7"/>
-    <p:sldId id="265" r:id="rId8"/>
-    <p:sldId id="269" r:id="rId9"/>
-    <p:sldId id="264" r:id="rId10"/>
+    <p:sldId id="257" r:id="rId2"/>
+    <p:sldId id="273" r:id="rId3"/>
+    <p:sldId id="258" r:id="rId4"/>
+    <p:sldId id="274" r:id="rId5"/>
+    <p:sldId id="275" r:id="rId6"/>
+    <p:sldId id="265" r:id="rId7"/>
+    <p:sldId id="269" r:id="rId8"/>
+    <p:sldId id="264" r:id="rId9"/>
   </p:sldIdLst>
   <p:sldSz cx="12192000" cy="6858000"/>
   <p:notesSz cx="6858000" cy="9144000"/>
@@ -114,6 +114,11 @@
       </a:defRPr>
     </a:lvl9pPr>
   </p:defaultTextStyle>
+  <p:extLst>
+    <p:ext uri="{EFAFB233-063F-42B5-8137-9DF3F51BA10A}">
+      <p15:sldGuideLst xmlns:p15="http://schemas.microsoft.com/office/powerpoint/2012/main"/>
+    </p:ext>
+  </p:extLst>
 </p:presentation>
 </file>
 
@@ -199,6 +204,7 @@
           <a:p>
             <a:fld id="{3EFD42F7-718C-4B98-AAEC-167E6DDD60A7}" type="datetimeFigureOut">
               <a:rPr lang="en-US" smtClean="0"/>
+              <a:t>7/27/2023</a:t>
             </a:fld>
             <a:endParaRPr lang="en-US"/>
           </a:p>
@@ -265,7 +271,6 @@
               <a:rPr lang="en-US"/>
               <a:t>Click to edit Master text styles</a:t>
             </a:r>
-            <a:endParaRPr lang="en-US"/>
           </a:p>
           <a:p>
             <a:pPr lvl="1"/>
@@ -273,7 +278,6 @@
               <a:rPr lang="en-US"/>
               <a:t>Second level</a:t>
             </a:r>
-            <a:endParaRPr lang="en-US"/>
           </a:p>
           <a:p>
             <a:pPr lvl="2"/>
@@ -281,7 +285,6 @@
               <a:rPr lang="en-US"/>
               <a:t>Third level</a:t>
             </a:r>
-            <a:endParaRPr lang="en-US"/>
           </a:p>
           <a:p>
             <a:pPr lvl="3"/>
@@ -289,7 +292,6 @@
               <a:rPr lang="en-US"/>
               <a:t>Fourth level</a:t>
             </a:r>
-            <a:endParaRPr lang="en-US"/>
           </a:p>
           <a:p>
             <a:pPr lvl="4"/>
@@ -297,7 +299,6 @@
               <a:rPr lang="en-US"/>
               <a:t>Fifth level</a:t>
             </a:r>
-            <a:endParaRPr lang="en-US"/>
           </a:p>
         </p:txBody>
       </p:sp>
@@ -361,6 +362,7 @@
           <a:p>
             <a:fld id="{21B2AA4F-B828-4D7C-AFD3-893933DAFCB4}" type="slidenum">
               <a:rPr lang="en-US" smtClean="0"/>
+              <a:t>‹#›</a:t>
             </a:fld>
             <a:endParaRPr lang="en-US"/>
           </a:p>
@@ -509,7 +511,6 @@
               <a:rPr lang="en-US"/>
               <a:t>Click to edit Master title style</a:t>
             </a:r>
-            <a:endParaRPr lang="en-US"/>
           </a:p>
         </p:txBody>
       </p:sp>
@@ -574,7 +575,6 @@
               <a:rPr lang="en-US"/>
               <a:t>Click to edit Master subtitle style</a:t>
             </a:r>
-            <a:endParaRPr lang="en-US"/>
           </a:p>
         </p:txBody>
       </p:sp>
@@ -595,6 +595,7 @@
           <a:p>
             <a:fld id="{1DC36BB3-A839-4B8E-8CE9-508AEF6495AD}" type="datetime1">
               <a:rPr lang="en-US" smtClean="0"/>
+              <a:t>7/27/2023</a:t>
             </a:fld>
             <a:endParaRPr lang="en-US"/>
           </a:p>
@@ -636,6 +637,7 @@
           <a:p>
             <a:fld id="{9B618960-8005-486C-9A75-10CB2AAC16F9}" type="slidenum">
               <a:rPr lang="en-US" smtClean="0"/>
+              <a:t>‹#›</a:t>
             </a:fld>
             <a:endParaRPr lang="en-US"/>
           </a:p>
@@ -685,7 +687,6 @@
               <a:rPr lang="en-US"/>
               <a:t>Click to edit Master title style</a:t>
             </a:r>
-            <a:endParaRPr lang="en-US"/>
           </a:p>
         </p:txBody>
       </p:sp>
@@ -709,7 +710,6 @@
               <a:rPr lang="en-US"/>
               <a:t>Click to edit Master text styles</a:t>
             </a:r>
-            <a:endParaRPr lang="en-US"/>
           </a:p>
           <a:p>
             <a:pPr lvl="1"/>
@@ -717,7 +717,6 @@
               <a:rPr lang="en-US"/>
               <a:t>Second level</a:t>
             </a:r>
-            <a:endParaRPr lang="en-US"/>
           </a:p>
           <a:p>
             <a:pPr lvl="2"/>
@@ -725,7 +724,6 @@
               <a:rPr lang="en-US"/>
               <a:t>Third level</a:t>
             </a:r>
-            <a:endParaRPr lang="en-US"/>
           </a:p>
           <a:p>
             <a:pPr lvl="3"/>
@@ -733,7 +731,6 @@
               <a:rPr lang="en-US"/>
               <a:t>Fourth level</a:t>
             </a:r>
-            <a:endParaRPr lang="en-US"/>
           </a:p>
           <a:p>
             <a:pPr lvl="4"/>
@@ -741,7 +738,6 @@
               <a:rPr lang="en-US"/>
               <a:t>Fifth level</a:t>
             </a:r>
-            <a:endParaRPr lang="en-US"/>
           </a:p>
         </p:txBody>
       </p:sp>
@@ -762,6 +758,7 @@
           <a:p>
             <a:fld id="{B8AB8E4F-C25E-4166-9795-967A98147FD4}" type="datetime1">
               <a:rPr lang="en-US" smtClean="0"/>
+              <a:t>7/27/2023</a:t>
             </a:fld>
             <a:endParaRPr lang="en-US"/>
           </a:p>
@@ -803,6 +800,7 @@
           <a:p>
             <a:fld id="{9B618960-8005-486C-9A75-10CB2AAC16F9}" type="slidenum">
               <a:rPr lang="en-US" smtClean="0"/>
+              <a:t>‹#›</a:t>
             </a:fld>
             <a:endParaRPr lang="en-US"/>
           </a:p>
@@ -857,7 +855,6 @@
               <a:rPr lang="en-US"/>
               <a:t>Click to edit Master title style</a:t>
             </a:r>
-            <a:endParaRPr lang="en-US"/>
           </a:p>
         </p:txBody>
       </p:sp>
@@ -886,7 +883,6 @@
               <a:rPr lang="en-US"/>
               <a:t>Click to edit Master text styles</a:t>
             </a:r>
-            <a:endParaRPr lang="en-US"/>
           </a:p>
           <a:p>
             <a:pPr lvl="1"/>
@@ -894,7 +890,6 @@
               <a:rPr lang="en-US"/>
               <a:t>Second level</a:t>
             </a:r>
-            <a:endParaRPr lang="en-US"/>
           </a:p>
           <a:p>
             <a:pPr lvl="2"/>
@@ -902,7 +897,6 @@
               <a:rPr lang="en-US"/>
               <a:t>Third level</a:t>
             </a:r>
-            <a:endParaRPr lang="en-US"/>
           </a:p>
           <a:p>
             <a:pPr lvl="3"/>
@@ -910,7 +904,6 @@
               <a:rPr lang="en-US"/>
               <a:t>Fourth level</a:t>
             </a:r>
-            <a:endParaRPr lang="en-US"/>
           </a:p>
           <a:p>
             <a:pPr lvl="4"/>
@@ -918,7 +911,6 @@
               <a:rPr lang="en-US"/>
               <a:t>Fifth level</a:t>
             </a:r>
-            <a:endParaRPr lang="en-US"/>
           </a:p>
         </p:txBody>
       </p:sp>
@@ -939,6 +931,7 @@
           <a:p>
             <a:fld id="{AC1D3DDB-C952-43F7-99DE-ED219EC1B71F}" type="datetime1">
               <a:rPr lang="en-US" smtClean="0"/>
+              <a:t>7/27/2023</a:t>
             </a:fld>
             <a:endParaRPr lang="en-US"/>
           </a:p>
@@ -980,6 +973,7 @@
           <a:p>
             <a:fld id="{9B618960-8005-486C-9A75-10CB2AAC16F9}" type="slidenum">
               <a:rPr lang="en-US" smtClean="0"/>
+              <a:t>‹#›</a:t>
             </a:fld>
             <a:endParaRPr lang="en-US"/>
           </a:p>
@@ -1026,10 +1020,9 @@
           <a:lstStyle/>
           <a:p>
             <a:r>
-              <a:rPr lang="en-US" smtClean="0"/>
+              <a:rPr lang="en-US"/>
               <a:t>Click to edit Master title style</a:t>
             </a:r>
-            <a:endParaRPr lang="en-US"/>
           </a:p>
         </p:txBody>
       </p:sp>
@@ -1050,42 +1043,37 @@
           <a:p>
             <a:pPr lvl="0"/>
             <a:r>
-              <a:rPr lang="en-US" smtClean="0"/>
+              <a:rPr lang="en-US"/>
               <a:t>Click to edit Master text styles</a:t>
             </a:r>
-            <a:endParaRPr lang="en-US" smtClean="0"/>
           </a:p>
           <a:p>
             <a:pPr lvl="1"/>
             <a:r>
-              <a:rPr lang="en-US" smtClean="0"/>
+              <a:rPr lang="en-US"/>
               <a:t>Second level</a:t>
             </a:r>
-            <a:endParaRPr lang="en-US" smtClean="0"/>
           </a:p>
           <a:p>
             <a:pPr lvl="2"/>
             <a:r>
-              <a:rPr lang="en-US" smtClean="0"/>
+              <a:rPr lang="en-US"/>
               <a:t>Third level</a:t>
             </a:r>
-            <a:endParaRPr lang="en-US" smtClean="0"/>
           </a:p>
           <a:p>
             <a:pPr lvl="3"/>
             <a:r>
-              <a:rPr lang="en-US" smtClean="0"/>
+              <a:rPr lang="en-US"/>
               <a:t>Fourth level</a:t>
             </a:r>
-            <a:endParaRPr lang="en-US" smtClean="0"/>
           </a:p>
           <a:p>
             <a:pPr lvl="4"/>
             <a:r>
-              <a:rPr lang="en-US" smtClean="0"/>
+              <a:rPr lang="en-US"/>
               <a:t>Fifth level</a:t>
             </a:r>
-            <a:endParaRPr lang="en-US"/>
           </a:p>
         </p:txBody>
       </p:sp>
@@ -1106,6 +1094,7 @@
           <a:p>
             <a:fld id="{5328E1F0-75D6-453A-8894-70B8E6E02ADB}" type="datetime1">
               <a:rPr lang="en-US" smtClean="0"/>
+              <a:t>7/27/2023</a:t>
             </a:fld>
             <a:endParaRPr lang="en-US"/>
           </a:p>
@@ -1147,6 +1136,7 @@
           <a:p>
             <a:fld id="{9B618960-8005-486C-9A75-10CB2AAC16F9}" type="slidenum">
               <a:rPr lang="en-US" smtClean="0"/>
+              <a:t>‹#›</a:t>
             </a:fld>
             <a:endParaRPr lang="en-US"/>
           </a:p>
@@ -1196,7 +1186,6 @@
               <a:rPr lang="en-US"/>
               <a:t>Click to edit Master title style</a:t>
             </a:r>
-            <a:endParaRPr lang="en-US"/>
           </a:p>
         </p:txBody>
       </p:sp>
@@ -1220,7 +1209,6 @@
               <a:rPr lang="en-US"/>
               <a:t>Click to edit Master text styles</a:t>
             </a:r>
-            <a:endParaRPr lang="en-US"/>
           </a:p>
           <a:p>
             <a:pPr lvl="1"/>
@@ -1228,7 +1216,6 @@
               <a:rPr lang="en-US"/>
               <a:t>Second level</a:t>
             </a:r>
-            <a:endParaRPr lang="en-US"/>
           </a:p>
           <a:p>
             <a:pPr lvl="2"/>
@@ -1236,7 +1223,6 @@
               <a:rPr lang="en-US"/>
               <a:t>Third level</a:t>
             </a:r>
-            <a:endParaRPr lang="en-US"/>
           </a:p>
           <a:p>
             <a:pPr lvl="3"/>
@@ -1244,7 +1230,6 @@
               <a:rPr lang="en-US"/>
               <a:t>Fourth level</a:t>
             </a:r>
-            <a:endParaRPr lang="en-US"/>
           </a:p>
           <a:p>
             <a:pPr lvl="4"/>
@@ -1252,7 +1237,6 @@
               <a:rPr lang="en-US"/>
               <a:t>Fifth level</a:t>
             </a:r>
-            <a:endParaRPr lang="en-US"/>
           </a:p>
         </p:txBody>
       </p:sp>
@@ -1273,6 +1257,7 @@
           <a:p>
             <a:fld id="{C8A7FE6F-ADB9-414C-8241-589D0BAD450A}" type="datetime1">
               <a:rPr lang="en-US" smtClean="0"/>
+              <a:t>7/27/2023</a:t>
             </a:fld>
             <a:endParaRPr lang="en-US"/>
           </a:p>
@@ -1314,6 +1299,7 @@
           <a:p>
             <a:fld id="{9B618960-8005-486C-9A75-10CB2AAC16F9}" type="slidenum">
               <a:rPr lang="en-US" smtClean="0"/>
+              <a:t>‹#›</a:t>
             </a:fld>
             <a:endParaRPr lang="en-US"/>
           </a:p>
@@ -1372,7 +1358,6 @@
               <a:rPr lang="en-US"/>
               <a:t>Click to edit Master title style</a:t>
             </a:r>
-            <a:endParaRPr lang="en-US"/>
           </a:p>
         </p:txBody>
       </p:sp>
@@ -1492,7 +1477,6 @@
               <a:rPr lang="en-US"/>
               <a:t>Click to edit Master text styles</a:t>
             </a:r>
-            <a:endParaRPr lang="en-US"/>
           </a:p>
         </p:txBody>
       </p:sp>
@@ -1513,6 +1497,7 @@
           <a:p>
             <a:fld id="{04D7FACD-1662-4989-95F4-72B64AE1151F}" type="datetime1">
               <a:rPr lang="en-US" smtClean="0"/>
+              <a:t>7/27/2023</a:t>
             </a:fld>
             <a:endParaRPr lang="en-US"/>
           </a:p>
@@ -1554,6 +1539,7 @@
           <a:p>
             <a:fld id="{9B618960-8005-486C-9A75-10CB2AAC16F9}" type="slidenum">
               <a:rPr lang="en-US" smtClean="0"/>
+              <a:t>‹#›</a:t>
             </a:fld>
             <a:endParaRPr lang="en-US"/>
           </a:p>
@@ -1603,7 +1589,6 @@
               <a:rPr lang="en-US"/>
               <a:t>Click to edit Master title style</a:t>
             </a:r>
-            <a:endParaRPr lang="en-US"/>
           </a:p>
         </p:txBody>
       </p:sp>
@@ -1632,7 +1617,6 @@
               <a:rPr lang="en-US"/>
               <a:t>Click to edit Master text styles</a:t>
             </a:r>
-            <a:endParaRPr lang="en-US"/>
           </a:p>
           <a:p>
             <a:pPr lvl="1"/>
@@ -1640,7 +1624,6 @@
               <a:rPr lang="en-US"/>
               <a:t>Second level</a:t>
             </a:r>
-            <a:endParaRPr lang="en-US"/>
           </a:p>
           <a:p>
             <a:pPr lvl="2"/>
@@ -1648,7 +1631,6 @@
               <a:rPr lang="en-US"/>
               <a:t>Third level</a:t>
             </a:r>
-            <a:endParaRPr lang="en-US"/>
           </a:p>
           <a:p>
             <a:pPr lvl="3"/>
@@ -1656,7 +1638,6 @@
               <a:rPr lang="en-US"/>
               <a:t>Fourth level</a:t>
             </a:r>
-            <a:endParaRPr lang="en-US"/>
           </a:p>
           <a:p>
             <a:pPr lvl="4"/>
@@ -1664,7 +1645,6 @@
               <a:rPr lang="en-US"/>
               <a:t>Fifth level</a:t>
             </a:r>
-            <a:endParaRPr lang="en-US"/>
           </a:p>
         </p:txBody>
       </p:sp>
@@ -1693,7 +1673,6 @@
               <a:rPr lang="en-US"/>
               <a:t>Click to edit Master text styles</a:t>
             </a:r>
-            <a:endParaRPr lang="en-US"/>
           </a:p>
           <a:p>
             <a:pPr lvl="1"/>
@@ -1701,7 +1680,6 @@
               <a:rPr lang="en-US"/>
               <a:t>Second level</a:t>
             </a:r>
-            <a:endParaRPr lang="en-US"/>
           </a:p>
           <a:p>
             <a:pPr lvl="2"/>
@@ -1709,7 +1687,6 @@
               <a:rPr lang="en-US"/>
               <a:t>Third level</a:t>
             </a:r>
-            <a:endParaRPr lang="en-US"/>
           </a:p>
           <a:p>
             <a:pPr lvl="3"/>
@@ -1717,7 +1694,6 @@
               <a:rPr lang="en-US"/>
               <a:t>Fourth level</a:t>
             </a:r>
-            <a:endParaRPr lang="en-US"/>
           </a:p>
           <a:p>
             <a:pPr lvl="4"/>
@@ -1725,7 +1701,6 @@
               <a:rPr lang="en-US"/>
               <a:t>Fifth level</a:t>
             </a:r>
-            <a:endParaRPr lang="en-US"/>
           </a:p>
         </p:txBody>
       </p:sp>
@@ -1746,6 +1721,7 @@
           <a:p>
             <a:fld id="{C1C23379-143D-4500-B664-1D6B8757AED2}" type="datetime1">
               <a:rPr lang="en-US" smtClean="0"/>
+              <a:t>7/27/2023</a:t>
             </a:fld>
             <a:endParaRPr lang="en-US"/>
           </a:p>
@@ -1787,6 +1763,7 @@
           <a:p>
             <a:fld id="{9B618960-8005-486C-9A75-10CB2AAC16F9}" type="slidenum">
               <a:rPr lang="en-US" smtClean="0"/>
+              <a:t>‹#›</a:t>
             </a:fld>
             <a:endParaRPr lang="en-US"/>
           </a:p>
@@ -1841,7 +1818,6 @@
               <a:rPr lang="en-US"/>
               <a:t>Click to edit Master title style</a:t>
             </a:r>
-            <a:endParaRPr lang="en-US"/>
           </a:p>
         </p:txBody>
       </p:sp>
@@ -1907,7 +1883,6 @@
               <a:rPr lang="en-US"/>
               <a:t>Click to edit Master text styles</a:t>
             </a:r>
-            <a:endParaRPr lang="en-US"/>
           </a:p>
         </p:txBody>
       </p:sp>
@@ -1936,7 +1911,6 @@
               <a:rPr lang="en-US"/>
               <a:t>Click to edit Master text styles</a:t>
             </a:r>
-            <a:endParaRPr lang="en-US"/>
           </a:p>
           <a:p>
             <a:pPr lvl="1"/>
@@ -1944,7 +1918,6 @@
               <a:rPr lang="en-US"/>
               <a:t>Second level</a:t>
             </a:r>
-            <a:endParaRPr lang="en-US"/>
           </a:p>
           <a:p>
             <a:pPr lvl="2"/>
@@ -1952,7 +1925,6 @@
               <a:rPr lang="en-US"/>
               <a:t>Third level</a:t>
             </a:r>
-            <a:endParaRPr lang="en-US"/>
           </a:p>
           <a:p>
             <a:pPr lvl="3"/>
@@ -1960,7 +1932,6 @@
               <a:rPr lang="en-US"/>
               <a:t>Fourth level</a:t>
             </a:r>
-            <a:endParaRPr lang="en-US"/>
           </a:p>
           <a:p>
             <a:pPr lvl="4"/>
@@ -1968,7 +1939,6 @@
               <a:rPr lang="en-US"/>
               <a:t>Fifth level</a:t>
             </a:r>
-            <a:endParaRPr lang="en-US"/>
           </a:p>
         </p:txBody>
       </p:sp>
@@ -2034,7 +2004,6 @@
               <a:rPr lang="en-US"/>
               <a:t>Click to edit Master text styles</a:t>
             </a:r>
-            <a:endParaRPr lang="en-US"/>
           </a:p>
         </p:txBody>
       </p:sp>
@@ -2063,7 +2032,6 @@
               <a:rPr lang="en-US"/>
               <a:t>Click to edit Master text styles</a:t>
             </a:r>
-            <a:endParaRPr lang="en-US"/>
           </a:p>
           <a:p>
             <a:pPr lvl="1"/>
@@ -2071,7 +2039,6 @@
               <a:rPr lang="en-US"/>
               <a:t>Second level</a:t>
             </a:r>
-            <a:endParaRPr lang="en-US"/>
           </a:p>
           <a:p>
             <a:pPr lvl="2"/>
@@ -2079,7 +2046,6 @@
               <a:rPr lang="en-US"/>
               <a:t>Third level</a:t>
             </a:r>
-            <a:endParaRPr lang="en-US"/>
           </a:p>
           <a:p>
             <a:pPr lvl="3"/>
@@ -2087,7 +2053,6 @@
               <a:rPr lang="en-US"/>
               <a:t>Fourth level</a:t>
             </a:r>
-            <a:endParaRPr lang="en-US"/>
           </a:p>
           <a:p>
             <a:pPr lvl="4"/>
@@ -2095,7 +2060,6 @@
               <a:rPr lang="en-US"/>
               <a:t>Fifth level</a:t>
             </a:r>
-            <a:endParaRPr lang="en-US"/>
           </a:p>
         </p:txBody>
       </p:sp>
@@ -2116,6 +2080,7 @@
           <a:p>
             <a:fld id="{09F11112-2B71-4956-AC77-8EC0D6AF45D3}" type="datetime1">
               <a:rPr lang="en-US" smtClean="0"/>
+              <a:t>7/27/2023</a:t>
             </a:fld>
             <a:endParaRPr lang="en-US"/>
           </a:p>
@@ -2157,6 +2122,7 @@
           <a:p>
             <a:fld id="{9B618960-8005-486C-9A75-10CB2AAC16F9}" type="slidenum">
               <a:rPr lang="en-US" smtClean="0"/>
+              <a:t>‹#›</a:t>
             </a:fld>
             <a:endParaRPr lang="en-US"/>
           </a:p>
@@ -2206,7 +2172,6 @@
               <a:rPr lang="en-US"/>
               <a:t>Click to edit Master title style</a:t>
             </a:r>
-            <a:endParaRPr lang="en-US"/>
           </a:p>
         </p:txBody>
       </p:sp>
@@ -2227,6 +2192,7 @@
           <a:p>
             <a:fld id="{68F44848-28CD-4D74-A814-7A88BDC9EBE3}" type="datetime1">
               <a:rPr lang="en-US" smtClean="0"/>
+              <a:t>7/27/2023</a:t>
             </a:fld>
             <a:endParaRPr lang="en-US"/>
           </a:p>
@@ -2268,6 +2234,7 @@
           <a:p>
             <a:fld id="{9B618960-8005-486C-9A75-10CB2AAC16F9}" type="slidenum">
               <a:rPr lang="en-US" smtClean="0"/>
+              <a:t>‹#›</a:t>
             </a:fld>
             <a:endParaRPr lang="en-US"/>
           </a:p>
@@ -2315,6 +2282,7 @@
           <a:p>
             <a:fld id="{73393AAC-0EF3-431E-B1A1-DD39CC5F9F1B}" type="datetime1">
               <a:rPr lang="en-US" smtClean="0"/>
+              <a:t>7/27/2023</a:t>
             </a:fld>
             <a:endParaRPr lang="en-US"/>
           </a:p>
@@ -2356,6 +2324,7 @@
           <a:p>
             <a:fld id="{9B618960-8005-486C-9A75-10CB2AAC16F9}" type="slidenum">
               <a:rPr lang="en-US" smtClean="0"/>
+              <a:t>‹#›</a:t>
             </a:fld>
             <a:endParaRPr lang="en-US"/>
           </a:p>
@@ -2414,7 +2383,6 @@
               <a:rPr lang="en-US"/>
               <a:t>Click to edit Master title style</a:t>
             </a:r>
-            <a:endParaRPr lang="en-US"/>
           </a:p>
         </p:txBody>
       </p:sp>
@@ -2471,7 +2439,6 @@
               <a:rPr lang="en-US"/>
               <a:t>Click to edit Master text styles</a:t>
             </a:r>
-            <a:endParaRPr lang="en-US"/>
           </a:p>
           <a:p>
             <a:pPr lvl="1"/>
@@ -2479,7 +2446,6 @@
               <a:rPr lang="en-US"/>
               <a:t>Second level</a:t>
             </a:r>
-            <a:endParaRPr lang="en-US"/>
           </a:p>
           <a:p>
             <a:pPr lvl="2"/>
@@ -2487,7 +2453,6 @@
               <a:rPr lang="en-US"/>
               <a:t>Third level</a:t>
             </a:r>
-            <a:endParaRPr lang="en-US"/>
           </a:p>
           <a:p>
             <a:pPr lvl="3"/>
@@ -2495,7 +2460,6 @@
               <a:rPr lang="en-US"/>
               <a:t>Fourth level</a:t>
             </a:r>
-            <a:endParaRPr lang="en-US"/>
           </a:p>
           <a:p>
             <a:pPr lvl="4"/>
@@ -2503,7 +2467,6 @@
               <a:rPr lang="en-US"/>
               <a:t>Fifth level</a:t>
             </a:r>
-            <a:endParaRPr lang="en-US"/>
           </a:p>
         </p:txBody>
       </p:sp>
@@ -2569,7 +2532,6 @@
               <a:rPr lang="en-US"/>
               <a:t>Click to edit Master text styles</a:t>
             </a:r>
-            <a:endParaRPr lang="en-US"/>
           </a:p>
         </p:txBody>
       </p:sp>
@@ -2590,6 +2552,7 @@
           <a:p>
             <a:fld id="{04E05BEE-3E77-4F1E-B77E-6E1C99440EC3}" type="datetime1">
               <a:rPr lang="en-US" smtClean="0"/>
+              <a:t>7/27/2023</a:t>
             </a:fld>
             <a:endParaRPr lang="en-US"/>
           </a:p>
@@ -2631,6 +2594,7 @@
           <a:p>
             <a:fld id="{9B618960-8005-486C-9A75-10CB2AAC16F9}" type="slidenum">
               <a:rPr lang="en-US" smtClean="0"/>
+              <a:t>‹#›</a:t>
             </a:fld>
             <a:endParaRPr lang="en-US"/>
           </a:p>
@@ -2689,7 +2653,6 @@
               <a:rPr lang="en-US"/>
               <a:t>Click to edit Master title style</a:t>
             </a:r>
-            <a:endParaRPr lang="en-US"/>
           </a:p>
         </p:txBody>
       </p:sp>
@@ -2816,7 +2779,6 @@
               <a:rPr lang="en-US"/>
               <a:t>Click to edit Master text styles</a:t>
             </a:r>
-            <a:endParaRPr lang="en-US"/>
           </a:p>
         </p:txBody>
       </p:sp>
@@ -2837,6 +2799,7 @@
           <a:p>
             <a:fld id="{9C824FCF-A906-42A6-A834-890C5B0C1CAE}" type="datetime1">
               <a:rPr lang="en-US" smtClean="0"/>
+              <a:t>7/27/2023</a:t>
             </a:fld>
             <a:endParaRPr lang="en-US"/>
           </a:p>
@@ -2878,6 +2841,7 @@
           <a:p>
             <a:fld id="{9B618960-8005-486C-9A75-10CB2AAC16F9}" type="slidenum">
               <a:rPr lang="en-US" smtClean="0"/>
+              <a:t>‹#›</a:t>
             </a:fld>
             <a:endParaRPr lang="en-US"/>
           </a:p>
@@ -2942,7 +2906,6 @@
               <a:rPr lang="en-US"/>
               <a:t>Click to edit Master title style</a:t>
             </a:r>
-            <a:endParaRPr lang="en-US"/>
           </a:p>
         </p:txBody>
       </p:sp>
@@ -2976,7 +2939,6 @@
               <a:rPr lang="en-US"/>
               <a:t>Click to edit Master text styles</a:t>
             </a:r>
-            <a:endParaRPr lang="en-US"/>
           </a:p>
           <a:p>
             <a:pPr lvl="1"/>
@@ -2984,7 +2946,6 @@
               <a:rPr lang="en-US"/>
               <a:t>Second level</a:t>
             </a:r>
-            <a:endParaRPr lang="en-US"/>
           </a:p>
           <a:p>
             <a:pPr lvl="2"/>
@@ -2992,7 +2953,6 @@
               <a:rPr lang="en-US"/>
               <a:t>Third level</a:t>
             </a:r>
-            <a:endParaRPr lang="en-US"/>
           </a:p>
           <a:p>
             <a:pPr lvl="3"/>
@@ -3000,7 +2960,6 @@
               <a:rPr lang="en-US"/>
               <a:t>Fourth level</a:t>
             </a:r>
-            <a:endParaRPr lang="en-US"/>
           </a:p>
           <a:p>
             <a:pPr lvl="4"/>
@@ -3008,7 +2967,6 @@
               <a:rPr lang="en-US"/>
               <a:t>Fifth level</a:t>
             </a:r>
-            <a:endParaRPr lang="en-US"/>
           </a:p>
         </p:txBody>
       </p:sp>
@@ -3047,6 +3005,7 @@
           <a:p>
             <a:fld id="{5328E1F0-75D6-453A-8894-70B8E6E02ADB}" type="datetime1">
               <a:rPr lang="en-US" smtClean="0"/>
+              <a:t>7/27/2023</a:t>
             </a:fld>
             <a:endParaRPr lang="en-US"/>
           </a:p>
@@ -3124,6 +3083,7 @@
           <a:p>
             <a:fld id="{9B618960-8005-486C-9A75-10CB2AAC16F9}" type="slidenum">
               <a:rPr lang="en-US" smtClean="0"/>
+              <a:t>‹#›</a:t>
             </a:fld>
             <a:endParaRPr lang="en-US"/>
           </a:p>
@@ -3454,7 +3414,7 @@
           <p:nvPr/>
         </p:nvPicPr>
         <p:blipFill>
-          <a:blip r:embed="rId1" cstate="print"/>
+          <a:blip r:embed="rId2" cstate="print"/>
           <a:stretch>
             <a:fillRect/>
           </a:stretch>
@@ -3510,11 +3470,6 @@
               </a:rPr>
               <a:t>Angular 14 Security</a:t>
             </a:r>
-            <a:endParaRPr sz="4000" dirty="0">
-              <a:solidFill>
-                <a:srgbClr val="171717"/>
-              </a:solidFill>
-            </a:endParaRPr>
           </a:p>
         </p:txBody>
       </p:sp>
@@ -3535,7 +3490,14 @@
         <p:cNvGrpSpPr/>
         <p:nvPr/>
       </p:nvGrpSpPr>
-      <p:grpSpPr/>
+      <p:grpSpPr>
+        <a:xfrm>
+          <a:off x="0" y="0"/>
+          <a:ext cx="0" cy="0"/>
+          <a:chOff x="0" y="0"/>
+          <a:chExt cx="0" cy="0"/>
+        </a:xfrm>
+      </p:grpSpPr>
       <p:sp>
         <p:nvSpPr>
           <p:cNvPr id="2" name="Title 1"/>
@@ -3549,6 +3511,7 @@
         <p:spPr/>
         <p:txBody>
           <a:bodyPr/>
+          <a:lstStyle/>
           <a:p>
             <a:endParaRPr lang="en-US"/>
           </a:p>
@@ -3567,9 +3530,11 @@
         <p:spPr/>
         <p:txBody>
           <a:bodyPr/>
+          <a:lstStyle/>
           <a:p>
             <a:fld id="{9B618960-8005-486C-9A75-10CB2AAC16F9}" type="slidenum">
               <a:rPr lang="en-US" smtClean="0"/>
+              <a:t>2</a:t>
             </a:fld>
             <a:endParaRPr lang="en-US"/>
           </a:p>
@@ -3579,14 +3544,14 @@
         <p:nvPicPr>
           <p:cNvPr id="5" name="Content Placeholder 4"/>
           <p:cNvPicPr>
-            <a:picLocks noChangeAspect="1"/>
+            <a:picLocks noGrp="1" noChangeAspect="1"/>
           </p:cNvPicPr>
           <p:nvPr>
             <p:ph idx="1"/>
           </p:nvPr>
         </p:nvPicPr>
         <p:blipFill>
-          <a:blip r:embed="rId1"/>
+          <a:blip r:embed="rId2"/>
           <a:stretch>
             <a:fillRect/>
           </a:stretch>
@@ -3621,6 +3586,7 @@
           <a:bodyPr wrap="none" rtlCol="0">
             <a:spAutoFit/>
           </a:bodyPr>
+          <a:lstStyle/>
           <a:p>
             <a:pPr algn="l"/>
             <a:r>
@@ -3629,7 +3595,7 @@
             </a:r>
             <a:r>
               <a:rPr lang="en-US">
-                <a:hlinkClick r:id="rId2" tooltip="" action="ppaction://hlinkfile"/>
+                <a:hlinkClick r:id="rId3" action="ppaction://hlinkfile"/>
               </a:rPr>
               <a:t>https://angular.io/guide/security</a:t>
             </a:r>
@@ -3687,7 +3653,6 @@
               <a:rPr lang="en-US"/>
               <a:t>Angular DOM Sanitizer</a:t>
             </a:r>
-            <a:endParaRPr lang="en-US"/>
           </a:p>
         </p:txBody>
       </p:sp>
@@ -3708,6 +3673,7 @@
           <a:p>
             <a:fld id="{9B618960-8005-486C-9A75-10CB2AAC16F9}" type="slidenum">
               <a:rPr lang="en-US" smtClean="0"/>
+              <a:t>3</a:t>
             </a:fld>
             <a:endParaRPr lang="en-US"/>
           </a:p>
@@ -3717,14 +3683,14 @@
         <p:nvPicPr>
           <p:cNvPr id="8" name="Content Placeholder 7"/>
           <p:cNvPicPr>
-            <a:picLocks noChangeAspect="1"/>
+            <a:picLocks noGrp="1" noChangeAspect="1"/>
           </p:cNvPicPr>
           <p:nvPr>
             <p:ph idx="1"/>
           </p:nvPr>
         </p:nvPicPr>
         <p:blipFill>
-          <a:blip r:embed="rId1"/>
+          <a:blip r:embed="rId2"/>
           <a:stretch>
             <a:fillRect/>
           </a:stretch>
@@ -3756,7 +3722,14 @@
         <p:cNvGrpSpPr/>
         <p:nvPr/>
       </p:nvGrpSpPr>
-      <p:grpSpPr/>
+      <p:grpSpPr>
+        <a:xfrm>
+          <a:off x="0" y="0"/>
+          <a:ext cx="0" cy="0"/>
+          <a:chOff x="0" y="0"/>
+          <a:chExt cx="0" cy="0"/>
+        </a:xfrm>
+      </p:grpSpPr>
       <p:sp>
         <p:nvSpPr>
           <p:cNvPr id="5" name="Title 4"/>
@@ -3770,13 +3743,13 @@
         <p:spPr/>
         <p:txBody>
           <a:bodyPr/>
+          <a:lstStyle/>
           <a:p>
             <a:pPr algn="ctr"/>
             <a:r>
               <a:rPr lang="en-US"/>
               <a:t>Angular defines 4 security contexts</a:t>
             </a:r>
-            <a:endParaRPr lang="en-US"/>
           </a:p>
         </p:txBody>
       </p:sp>
@@ -3795,42 +3768,67 @@
           <a:bodyPr>
             <a:normAutofit lnSpcReduction="10000"/>
           </a:bodyPr>
-          <a:p>
-            <a:r>
-              <a:rPr lang="en-US"/>
-              <a:t>HTML is used when interpreting a value as HTML, for example when binding to “innerHtml” property of HTML element such as div, paragraph etc.</a:t>
-            </a:r>
-            <a:endParaRPr lang="en-US"/>
-          </a:p>
-          <a:p>
-            <a:endParaRPr lang="en-US"/>
-          </a:p>
-          <a:p>
-            <a:r>
-              <a:rPr lang="en-US"/>
+          <a:lstStyle/>
+          <a:p>
+            <a:r>
+              <a:rPr lang="en-US" dirty="0"/>
+              <a:t>HTML is used when interpreting a value as HTML, for example when binding to “</a:t>
+            </a:r>
+            <a:r>
+              <a:rPr lang="en-US" dirty="0" err="1"/>
+              <a:t>innerHtml</a:t>
+            </a:r>
+            <a:r>
+              <a:rPr lang="en-US" dirty="0"/>
+              <a:t>” property of HTML element such as div, paragraph etc.</a:t>
+            </a:r>
+          </a:p>
+          <a:p>
+            <a:endParaRPr lang="en-US" dirty="0"/>
+          </a:p>
+          <a:p>
+            <a:r>
+              <a:rPr lang="en-US" dirty="0"/>
               <a:t>Style is used when binding CSS into the style property.</a:t>
             </a:r>
-            <a:endParaRPr lang="en-US"/>
-          </a:p>
-          <a:p>
-            <a:endParaRPr lang="en-US"/>
-          </a:p>
-          <a:p>
-            <a:r>
-              <a:rPr lang="en-US"/>
-              <a:t>URL is used for RL properties such as &lt;a href&gt;</a:t>
-            </a:r>
-            <a:endParaRPr lang="en-US"/>
-          </a:p>
-          <a:p>
-            <a:endParaRPr lang="en-US"/>
-          </a:p>
-          <a:p>
-            <a:r>
-              <a:rPr lang="en-US"/>
-              <a:t>ResourceURL is a URL that will be loaded and executed as code for example src attribute of script tag.</a:t>
-            </a:r>
-            <a:endParaRPr lang="en-US"/>
+          </a:p>
+          <a:p>
+            <a:endParaRPr lang="en-US" dirty="0"/>
+          </a:p>
+          <a:p>
+            <a:r>
+              <a:rPr lang="en-US"/>
+              <a:t>URL is used for URL properties such as &lt;a </a:t>
+            </a:r>
+            <a:r>
+              <a:rPr lang="en-US" dirty="0" err="1"/>
+              <a:t>href</a:t>
+            </a:r>
+            <a:r>
+              <a:rPr lang="en-US" dirty="0"/>
+              <a:t>&gt;</a:t>
+            </a:r>
+          </a:p>
+          <a:p>
+            <a:endParaRPr lang="en-US" dirty="0"/>
+          </a:p>
+          <a:p>
+            <a:r>
+              <a:rPr lang="en-US" dirty="0" err="1"/>
+              <a:t>ResourceURL</a:t>
+            </a:r>
+            <a:r>
+              <a:rPr lang="en-US" dirty="0"/>
+              <a:t> is a URL that will be loaded and executed as code for example </a:t>
+            </a:r>
+            <a:r>
+              <a:rPr lang="en-US" dirty="0" err="1"/>
+              <a:t>src</a:t>
+            </a:r>
+            <a:r>
+              <a:rPr lang="en-US" dirty="0"/>
+              <a:t> attribute of script tag.</a:t>
+            </a:r>
           </a:p>
         </p:txBody>
       </p:sp>
@@ -3847,9 +3845,11 @@
         <p:spPr/>
         <p:txBody>
           <a:bodyPr/>
+          <a:lstStyle/>
           <a:p>
             <a:fld id="{9B618960-8005-486C-9A75-10CB2AAC16F9}" type="slidenum">
               <a:rPr lang="en-US" smtClean="0"/>
+              <a:t>4</a:t>
             </a:fld>
             <a:endParaRPr lang="en-US"/>
           </a:p>
@@ -3872,7 +3872,14 @@
         <p:cNvGrpSpPr/>
         <p:nvPr/>
       </p:nvGrpSpPr>
-      <p:grpSpPr/>
+      <p:grpSpPr>
+        <a:xfrm>
+          <a:off x="0" y="0"/>
+          <a:ext cx="0" cy="0"/>
+          <a:chOff x="0" y="0"/>
+          <a:chExt cx="0" cy="0"/>
+        </a:xfrm>
+      </p:grpSpPr>
       <p:sp>
         <p:nvSpPr>
           <p:cNvPr id="5" name="Title 4"/>
@@ -3886,13 +3893,13 @@
         <p:spPr/>
         <p:txBody>
           <a:bodyPr/>
+          <a:lstStyle/>
           <a:p>
             <a:pPr algn="ctr"/>
             <a:r>
               <a:rPr lang="en-US"/>
               <a:t>Trusting safe values</a:t>
             </a:r>
-            <a:endParaRPr lang="en-US"/>
           </a:p>
         </p:txBody>
       </p:sp>
@@ -3911,12 +3918,12 @@
           <a:bodyPr>
             <a:normAutofit lnSpcReduction="10000"/>
           </a:bodyPr>
+          <a:lstStyle/>
           <a:p>
             <a:r>
               <a:rPr lang="en-US"/>
               <a:t>bypassSecurityTrustHtml</a:t>
             </a:r>
-            <a:endParaRPr lang="en-US"/>
           </a:p>
           <a:p>
             <a:endParaRPr lang="en-US"/>
@@ -3926,7 +3933,6 @@
               <a:rPr lang="en-US"/>
               <a:t>bypassSecurityTrustScript</a:t>
             </a:r>
-            <a:endParaRPr lang="en-US"/>
           </a:p>
           <a:p>
             <a:endParaRPr lang="en-US"/>
@@ -3936,7 +3942,6 @@
               <a:rPr lang="en-US"/>
               <a:t>bypassSecurityTrustStyle</a:t>
             </a:r>
-            <a:endParaRPr lang="en-US"/>
           </a:p>
           <a:p>
             <a:endParaRPr lang="en-US"/>
@@ -3946,7 +3951,6 @@
               <a:rPr lang="en-US"/>
               <a:t>bypassSecurityTrustUrl</a:t>
             </a:r>
-            <a:endParaRPr lang="en-US"/>
           </a:p>
         </p:txBody>
       </p:sp>
@@ -3963,9 +3967,11 @@
         <p:spPr/>
         <p:txBody>
           <a:bodyPr/>
+          <a:lstStyle/>
           <a:p>
             <a:fld id="{9B618960-8005-486C-9A75-10CB2AAC16F9}" type="slidenum">
               <a:rPr lang="en-US" smtClean="0"/>
+              <a:t>5</a:t>
             </a:fld>
             <a:endParaRPr lang="en-US"/>
           </a:p>
@@ -3988,7 +3994,14 @@
         <p:cNvGrpSpPr/>
         <p:nvPr/>
       </p:nvGrpSpPr>
-      <p:grpSpPr/>
+      <p:grpSpPr>
+        <a:xfrm>
+          <a:off x="0" y="0"/>
+          <a:ext cx="0" cy="0"/>
+          <a:chOff x="0" y="0"/>
+          <a:chExt cx="0" cy="0"/>
+        </a:xfrm>
+      </p:grpSpPr>
       <p:sp>
         <p:nvSpPr>
           <p:cNvPr id="4" name="Slide Number Placeholder 3"/>
@@ -4002,9 +4015,11 @@
         <p:spPr/>
         <p:txBody>
           <a:bodyPr/>
+          <a:lstStyle/>
           <a:p>
             <a:fld id="{9B618960-8005-486C-9A75-10CB2AAC16F9}" type="slidenum">
               <a:rPr lang="en-US" smtClean="0"/>
+              <a:t>6</a:t>
             </a:fld>
             <a:endParaRPr lang="en-US"/>
           </a:p>
@@ -4014,14 +4029,14 @@
         <p:nvPicPr>
           <p:cNvPr id="5" name="Content Placeholder 4"/>
           <p:cNvPicPr>
-            <a:picLocks noChangeAspect="1"/>
+            <a:picLocks noGrp="1" noChangeAspect="1"/>
           </p:cNvPicPr>
           <p:nvPr>
             <p:ph idx="1"/>
           </p:nvPr>
         </p:nvPicPr>
         <p:blipFill>
-          <a:blip r:embed="rId1"/>
+          <a:blip r:embed="rId2"/>
           <a:stretch>
             <a:fillRect/>
           </a:stretch>
@@ -4049,13 +4064,13 @@
         <p:spPr/>
         <p:txBody>
           <a:bodyPr/>
+          <a:lstStyle/>
           <a:p>
             <a:pPr algn="ctr"/>
             <a:r>
               <a:rPr lang="en-US"/>
               <a:t>Trusting safe values</a:t>
             </a:r>
-            <a:endParaRPr lang="en-US"/>
           </a:p>
         </p:txBody>
       </p:sp>
@@ -4076,7 +4091,14 @@
         <p:cNvGrpSpPr/>
         <p:nvPr/>
       </p:nvGrpSpPr>
-      <p:grpSpPr/>
+      <p:grpSpPr>
+        <a:xfrm>
+          <a:off x="0" y="0"/>
+          <a:ext cx="0" cy="0"/>
+          <a:chOff x="0" y="0"/>
+          <a:chExt cx="0" cy="0"/>
+        </a:xfrm>
+      </p:grpSpPr>
       <p:sp>
         <p:nvSpPr>
           <p:cNvPr id="4" name="Slide Number Placeholder 3"/>
@@ -4090,9 +4112,11 @@
         <p:spPr/>
         <p:txBody>
           <a:bodyPr/>
+          <a:lstStyle/>
           <a:p>
             <a:fld id="{9B618960-8005-486C-9A75-10CB2AAC16F9}" type="slidenum">
               <a:rPr lang="en-US" smtClean="0"/>
+              <a:t>7</a:t>
             </a:fld>
             <a:endParaRPr lang="en-US"/>
           </a:p>
@@ -4102,14 +4126,14 @@
         <p:nvPicPr>
           <p:cNvPr id="3" name="Content Placeholder 2"/>
           <p:cNvPicPr>
-            <a:picLocks noChangeAspect="1"/>
+            <a:picLocks noGrp="1" noChangeAspect="1"/>
           </p:cNvPicPr>
           <p:nvPr>
             <p:ph idx="1"/>
           </p:nvPr>
         </p:nvPicPr>
         <p:blipFill>
-          <a:blip r:embed="rId1"/>
+          <a:blip r:embed="rId2"/>
           <a:stretch>
             <a:fillRect/>
           </a:stretch>
@@ -4137,13 +4161,13 @@
         <p:spPr/>
         <p:txBody>
           <a:bodyPr/>
+          <a:lstStyle/>
           <a:p>
             <a:pPr algn="ctr"/>
             <a:r>
               <a:rPr lang="en-US"/>
               <a:t>Template</a:t>
             </a:r>
-            <a:endParaRPr lang="en-US"/>
           </a:p>
         </p:txBody>
       </p:sp>
@@ -4179,7 +4203,7 @@
           <p:nvPr/>
         </p:nvPicPr>
         <p:blipFill>
-          <a:blip r:embed="rId1" cstate="print"/>
+          <a:blip r:embed="rId2" cstate="print"/>
           <a:stretch>
             <a:fillRect/>
           </a:stretch>
@@ -4290,12 +4314,6 @@
               </a:rPr>
               <a:t>Angular Integration with Java Spring Boot Security</a:t>
             </a:r>
-            <a:endParaRPr lang="en-US" sz="2400" b="1">
-              <a:solidFill>
-                <a:srgbClr val="00B0F0"/>
-              </a:solidFill>
-              <a:sym typeface="+mn-ea"/>
-            </a:endParaRPr>
           </a:p>
           <a:p>
             <a:pPr lvl="1" indent="0">
@@ -4326,9 +4344,11 @@
         <p:spPr/>
         <p:txBody>
           <a:bodyPr/>
+          <a:lstStyle/>
           <a:p>
             <a:fld id="{B6F15528-21DE-4FAA-801E-634DDDAF4B2B}" type="slidenum">
               <a:rPr sz="800"/>
+              <a:t>8</a:t>
             </a:fld>
             <a:endParaRPr sz="800"/>
           </a:p>
@@ -4593,6 +4613,8 @@
       </a:bgFillStyleLst>
     </a:fmtScheme>
   </a:themeElements>
+  <a:objectDefaults/>
+  <a:extraClrSchemeLst/>
   <a:extLst>
     <a:ext uri="{05A4C25C-085E-4340-85A3-A5531E510DB2}">
       <thm15:themeFamily xmlns:thm15="http://schemas.microsoft.com/office/thememl/2012/main" name="Office Theme" id="{62F939B6-93AF-4DB8-9C6B-D6C7DFDC589F}" vid="{4A3C46E8-61CC-4603-A589-7422A47A8E4A}"/>
@@ -4852,6 +4874,8 @@
       </a:bgFillStyleLst>
     </a:fmtScheme>
   </a:themeElements>
+  <a:objectDefaults/>
+  <a:extraClrSchemeLst/>
   <a:extLst>
     <a:ext uri="{05A4C25C-085E-4340-85A3-A5531E510DB2}">
       <thm15:themeFamily xmlns:thm15="http://schemas.microsoft.com/office/thememl/2012/main" name="Office Theme" id="{62F939B6-93AF-4DB8-9C6B-D6C7DFDC589F}" vid="{4A3C46E8-61CC-4603-A589-7422A47A8E4A}"/>
